--- a/2. Spring 5.0/Day 3/Slides/1. Course Overview/course-overview-slides.pptx
+++ b/2. Spring 5.0/Day 3/Slides/1. Course Overview/course-overview-slides.pptx
@@ -3685,7 +3685,7 @@
       </p:sp>
       <p:pic>
         <p:nvPicPr>
-          <p:cNvPr id="5" name="Content Placeholder 4"/>
+          <p:cNvPr id="6" name="Content Placeholder 5"/>
           <p:cNvPicPr>
             <a:picLocks noChangeAspect="1"/>
           </p:cNvPicPr>
@@ -3701,8 +3701,8 @@
         </p:blipFill>
         <p:spPr>
           <a:xfrm>
-            <a:off x="1426210" y="916940"/>
-            <a:ext cx="9339580" cy="5024120"/>
+            <a:off x="2384425" y="365125"/>
+            <a:ext cx="7888605" cy="6024245"/>
           </a:xfrm>
           <a:prstGeom prst="rect">
             <a:avLst/>
